--- a/Progress Presentation/SPL Progress.pptx
+++ b/Progress Presentation/SPL Progress.pptx
@@ -5,7 +5,7 @@
     <p:sldMasterId id="2147483648" r:id="rId1"/>
   </p:sldMasterIdLst>
   <p:notesMasterIdLst>
-    <p:notesMasterId r:id="rId9"/>
+    <p:notesMasterId r:id="rId10"/>
   </p:notesMasterIdLst>
   <p:sldIdLst>
     <p:sldId id="256" r:id="rId2"/>
@@ -15,56 +15,57 @@
     <p:sldId id="262" r:id="rId6"/>
     <p:sldId id="261" r:id="rId7"/>
     <p:sldId id="263" r:id="rId8"/>
+    <p:sldId id="264" r:id="rId9"/>
   </p:sldIdLst>
   <p:sldSz cx="18288000" cy="10287000"/>
   <p:notesSz cx="6858000" cy="9144000"/>
   <p:embeddedFontLst>
     <p:embeddedFont>
       <p:font typeface="Aileron" panose="020B0604020202020204" charset="0"/>
-      <p:regular r:id="rId10"/>
+      <p:regular r:id="rId11"/>
     </p:embeddedFont>
     <p:embeddedFont>
       <p:font typeface="Aileron Bold" panose="020B0604020202020204" charset="0"/>
-      <p:regular r:id="rId11"/>
+      <p:regular r:id="rId12"/>
     </p:embeddedFont>
     <p:embeddedFont>
       <p:font typeface="Calibri" panose="020F0502020204030204" pitchFamily="34" charset="0"/>
-      <p:regular r:id="rId12"/>
-      <p:bold r:id="rId13"/>
-      <p:italic r:id="rId14"/>
-      <p:boldItalic r:id="rId15"/>
+      <p:regular r:id="rId13"/>
+      <p:bold r:id="rId14"/>
+      <p:italic r:id="rId15"/>
+      <p:boldItalic r:id="rId16"/>
     </p:embeddedFont>
     <p:embeddedFont>
       <p:font typeface="Canva Sans" panose="020B0604020202020204" charset="0"/>
-      <p:regular r:id="rId16"/>
+      <p:regular r:id="rId17"/>
     </p:embeddedFont>
     <p:embeddedFont>
       <p:font typeface="Canva Sans Bold" panose="020B0604020202020204" charset="0"/>
-      <p:regular r:id="rId17"/>
+      <p:regular r:id="rId18"/>
     </p:embeddedFont>
     <p:embeddedFont>
       <p:font typeface="Canva Sans Bold Italics" panose="020B0604020202020204" charset="0"/>
-      <p:regular r:id="rId18"/>
+      <p:regular r:id="rId19"/>
     </p:embeddedFont>
     <p:embeddedFont>
       <p:font typeface="DM Sans Bold Italics" panose="020B0604020202020204" charset="0"/>
-      <p:regular r:id="rId19"/>
+      <p:regular r:id="rId20"/>
     </p:embeddedFont>
     <p:embeddedFont>
       <p:font typeface="DM Sans Italics" panose="020B0604020202020204" charset="0"/>
-      <p:regular r:id="rId20"/>
+      <p:regular r:id="rId21"/>
     </p:embeddedFont>
     <p:embeddedFont>
       <p:font typeface="Glacial Indifference Bold" panose="020B0604020202020204" charset="0"/>
-      <p:regular r:id="rId21"/>
+      <p:regular r:id="rId22"/>
     </p:embeddedFont>
     <p:embeddedFont>
       <p:font typeface="Now Bold" panose="020B0604020202020204" charset="0"/>
-      <p:regular r:id="rId22"/>
+      <p:regular r:id="rId23"/>
     </p:embeddedFont>
     <p:embeddedFont>
       <p:font typeface="VT323" panose="020B0604020202020204" charset="0"/>
-      <p:regular r:id="rId23"/>
+      <p:regular r:id="rId24"/>
     </p:embeddedFont>
   </p:embeddedFontLst>
   <p:defaultTextStyle>
@@ -4573,8 +4574,8 @@
         </p:nvSpPr>
         <p:spPr>
           <a:xfrm flipV="1">
-            <a:off x="4989880" y="628"/>
-            <a:ext cx="38048" cy="8724271"/>
+            <a:off x="4986345" y="628"/>
+            <a:ext cx="41583" cy="8479482"/>
           </a:xfrm>
           <a:prstGeom prst="line">
             <a:avLst/>
@@ -4597,7 +4598,7 @@
         </p:nvGrpSpPr>
         <p:grpSpPr>
           <a:xfrm>
-            <a:off x="4492204" y="2253065"/>
+            <a:off x="4507549" y="2001542"/>
             <a:ext cx="909620" cy="909620"/>
             <a:chOff x="0" y="0"/>
             <a:chExt cx="812800" cy="812800"/>
@@ -4702,7 +4703,7 @@
         </p:nvSpPr>
         <p:spPr>
           <a:xfrm>
-            <a:off x="4174594" y="550950"/>
+            <a:off x="4204270" y="251484"/>
             <a:ext cx="5811327" cy="1373586"/>
           </a:xfrm>
           <a:custGeom>
@@ -4754,7 +4755,7 @@
         </p:nvSpPr>
         <p:spPr>
           <a:xfrm>
-            <a:off x="5710991" y="2380464"/>
+            <a:off x="5693812" y="2094443"/>
             <a:ext cx="3589610" cy="559572"/>
           </a:xfrm>
           <a:prstGeom prst="rect">
@@ -4795,7 +4796,7 @@
         </p:nvSpPr>
         <p:spPr>
           <a:xfrm>
-            <a:off x="3846283" y="885892"/>
+            <a:off x="3978735" y="600072"/>
             <a:ext cx="5811327" cy="637028"/>
           </a:xfrm>
           <a:prstGeom prst="rect">
@@ -4814,7 +4815,7 @@
               </a:lnSpc>
             </a:pPr>
             <a:r>
-              <a:rPr lang="en-US" sz="3774" b="1" i="1">
+              <a:rPr lang="en-US" sz="3774" b="1" i="1" dirty="0">
                 <a:solidFill>
                   <a:srgbClr val="00FFF7"/>
                 </a:solidFill>
@@ -4941,7 +4942,7 @@
         </p:nvSpPr>
         <p:spPr>
           <a:xfrm>
-            <a:off x="5710991" y="3554742"/>
+            <a:off x="5983781" y="3555761"/>
             <a:ext cx="3589610" cy="559572"/>
           </a:xfrm>
           <a:prstGeom prst="rect">
@@ -4982,7 +4983,7 @@
         </p:nvGrpSpPr>
         <p:grpSpPr>
           <a:xfrm>
-            <a:off x="4535070" y="8030892"/>
+            <a:off x="4507549" y="7723133"/>
             <a:ext cx="909620" cy="909620"/>
             <a:chOff x="0" y="0"/>
             <a:chExt cx="812800" cy="812800"/>
@@ -5087,7 +5088,7 @@
         </p:nvSpPr>
         <p:spPr>
           <a:xfrm>
-            <a:off x="5764763" y="8171137"/>
+            <a:off x="5688261" y="7921479"/>
             <a:ext cx="4274930" cy="559572"/>
           </a:xfrm>
           <a:prstGeom prst="rect">
@@ -5735,12 +5736,228 @@
           </a:p>
         </p:txBody>
       </p:sp>
-      <p:sp>
-        <p:nvSpPr>
-          <p:cNvPr id="48" name="AutoShape 21">
+      <p:grpSp>
+        <p:nvGrpSpPr>
+          <p:cNvPr id="69" name="Group 68">
             <a:extLst>
               <a:ext uri="{FF2B5EF4-FFF2-40B4-BE49-F238E27FC236}">
-                <a16:creationId xmlns:a16="http://schemas.microsoft.com/office/drawing/2014/main" id="{1BC514E6-93AA-4DBD-85A5-715D609AE3D4}"/>
+                <a16:creationId xmlns:a16="http://schemas.microsoft.com/office/drawing/2014/main" id="{9667D373-9F8D-4980-B37A-08B714CDEE6E}"/>
+              </a:ext>
+            </a:extLst>
+          </p:cNvPr>
+          <p:cNvGrpSpPr/>
+          <p:nvPr/>
+        </p:nvGrpSpPr>
+        <p:grpSpPr>
+          <a:xfrm>
+            <a:off x="15032550" y="3848614"/>
+            <a:ext cx="4304853" cy="2003886"/>
+            <a:chOff x="15032550" y="3848614"/>
+            <a:chExt cx="4304853" cy="2003886"/>
+          </a:xfrm>
+        </p:grpSpPr>
+        <p:sp>
+          <p:nvSpPr>
+            <p:cNvPr id="48" name="AutoShape 21">
+              <a:extLst>
+                <a:ext uri="{FF2B5EF4-FFF2-40B4-BE49-F238E27FC236}">
+                  <a16:creationId xmlns:a16="http://schemas.microsoft.com/office/drawing/2014/main" id="{1BC514E6-93AA-4DBD-85A5-715D609AE3D4}"/>
+                </a:ext>
+              </a:extLst>
+            </p:cNvPr>
+            <p:cNvSpPr/>
+            <p:nvPr/>
+          </p:nvSpPr>
+          <p:spPr>
+            <a:xfrm flipV="1">
+              <a:off x="15265693" y="3848614"/>
+              <a:ext cx="23426" cy="1724064"/>
+            </a:xfrm>
+            <a:prstGeom prst="line">
+              <a:avLst/>
+            </a:prstGeom>
+            <a:ln w="101600" cap="flat">
+              <a:solidFill>
+                <a:srgbClr val="FFFFFF"/>
+              </a:solidFill>
+              <a:prstDash val="solid"/>
+              <a:headEnd type="none" w="sm" len="sm"/>
+              <a:tailEnd type="none" w="sm" len="sm"/>
+            </a:ln>
+          </p:spPr>
+          <p:txBody>
+            <a:bodyPr/>
+            <a:lstStyle/>
+            <a:p>
+              <a:endParaRPr lang="en-US" dirty="0"/>
+            </a:p>
+          </p:txBody>
+        </p:sp>
+        <p:sp>
+          <p:nvSpPr>
+            <p:cNvPr id="54" name="TextBox 14">
+              <a:extLst>
+                <a:ext uri="{FF2B5EF4-FFF2-40B4-BE49-F238E27FC236}">
+                  <a16:creationId xmlns:a16="http://schemas.microsoft.com/office/drawing/2014/main" id="{30B70D15-8560-43B2-9846-CFE060BAEB82}"/>
+                </a:ext>
+              </a:extLst>
+            </p:cNvPr>
+            <p:cNvSpPr txBox="1"/>
+            <p:nvPr/>
+          </p:nvSpPr>
+          <p:spPr>
+            <a:xfrm>
+              <a:off x="15747793" y="4178927"/>
+              <a:ext cx="3589610" cy="528734"/>
+            </a:xfrm>
+            <a:prstGeom prst="rect">
+              <a:avLst/>
+            </a:prstGeom>
+          </p:spPr>
+          <p:txBody>
+            <a:bodyPr wrap="square" lIns="0" tIns="0" rIns="0" bIns="0" rtlCol="0" anchor="t">
+              <a:spAutoFit/>
+            </a:bodyPr>
+            <a:lstStyle/>
+            <a:p>
+              <a:pPr algn="l">
+                <a:lnSpc>
+                  <a:spcPts val="4703"/>
+                </a:lnSpc>
+              </a:pPr>
+              <a:r>
+                <a:rPr lang="en-US" sz="2700" i="1" spc="94" dirty="0">
+                  <a:solidFill>
+                    <a:srgbClr val="FFFFFF"/>
+                  </a:solidFill>
+                  <a:latin typeface="Aileron"/>
+                  <a:ea typeface="Aileron"/>
+                  <a:cs typeface="Aileron"/>
+                  <a:sym typeface="Aileron"/>
+                </a:rPr>
+                <a:t>Price</a:t>
+              </a:r>
+            </a:p>
+          </p:txBody>
+        </p:sp>
+        <p:sp>
+          <p:nvSpPr>
+            <p:cNvPr id="55" name="TextBox 14">
+              <a:extLst>
+                <a:ext uri="{FF2B5EF4-FFF2-40B4-BE49-F238E27FC236}">
+                  <a16:creationId xmlns:a16="http://schemas.microsoft.com/office/drawing/2014/main" id="{D729F26A-0292-4BE4-BC16-2943610F9806}"/>
+                </a:ext>
+              </a:extLst>
+            </p:cNvPr>
+            <p:cNvSpPr txBox="1"/>
+            <p:nvPr/>
+          </p:nvSpPr>
+          <p:spPr>
+            <a:xfrm>
+              <a:off x="15747793" y="5222510"/>
+              <a:ext cx="3589610" cy="531684"/>
+            </a:xfrm>
+            <a:prstGeom prst="rect">
+              <a:avLst/>
+            </a:prstGeom>
+          </p:spPr>
+          <p:txBody>
+            <a:bodyPr wrap="square" lIns="0" tIns="0" rIns="0" bIns="0" rtlCol="0" anchor="t">
+              <a:spAutoFit/>
+            </a:bodyPr>
+            <a:lstStyle/>
+            <a:p>
+              <a:pPr algn="l">
+                <a:lnSpc>
+                  <a:spcPts val="4703"/>
+                </a:lnSpc>
+              </a:pPr>
+              <a:r>
+                <a:rPr lang="en-US" sz="2700" i="1" spc="94" dirty="0">
+                  <a:solidFill>
+                    <a:srgbClr val="FFFFFF"/>
+                  </a:solidFill>
+                  <a:latin typeface="Aileron"/>
+                  <a:ea typeface="Aileron"/>
+                  <a:cs typeface="Aileron"/>
+                  <a:sym typeface="Aileron"/>
+                </a:rPr>
+                <a:t>Quantity</a:t>
+              </a:r>
+            </a:p>
+          </p:txBody>
+        </p:sp>
+        <p:sp>
+          <p:nvSpPr>
+            <p:cNvPr id="58" name="Freeform 23">
+              <a:extLst>
+                <a:ext uri="{FF2B5EF4-FFF2-40B4-BE49-F238E27FC236}">
+                  <a16:creationId xmlns:a16="http://schemas.microsoft.com/office/drawing/2014/main" id="{DBF034D6-E7F9-4F4B-833C-79C4381B5EB4}"/>
+                </a:ext>
+              </a:extLst>
+            </p:cNvPr>
+            <p:cNvSpPr/>
+            <p:nvPr/>
+          </p:nvSpPr>
+          <p:spPr>
+            <a:xfrm>
+              <a:off x="15032550" y="5323765"/>
+              <a:ext cx="513137" cy="528735"/>
+            </a:xfrm>
+            <a:custGeom>
+              <a:avLst/>
+              <a:gdLst/>
+              <a:ahLst/>
+              <a:cxnLst/>
+              <a:rect l="l" t="t" r="r" b="b"/>
+              <a:pathLst>
+                <a:path w="812800" h="812800">
+                  <a:moveTo>
+                    <a:pt x="406400" y="0"/>
+                  </a:moveTo>
+                  <a:cubicBezTo>
+                    <a:pt x="181951" y="0"/>
+                    <a:pt x="0" y="181951"/>
+                    <a:pt x="0" y="406400"/>
+                  </a:cubicBezTo>
+                  <a:cubicBezTo>
+                    <a:pt x="0" y="630849"/>
+                    <a:pt x="181951" y="812800"/>
+                    <a:pt x="406400" y="812800"/>
+                  </a:cubicBezTo>
+                  <a:cubicBezTo>
+                    <a:pt x="630849" y="812800"/>
+                    <a:pt x="812800" y="630849"/>
+                    <a:pt x="812800" y="406400"/>
+                  </a:cubicBezTo>
+                  <a:cubicBezTo>
+                    <a:pt x="812800" y="181951"/>
+                    <a:pt x="630849" y="0"/>
+                    <a:pt x="406400" y="0"/>
+                  </a:cubicBezTo>
+                  <a:close/>
+                </a:path>
+              </a:pathLst>
+            </a:custGeom>
+            <a:solidFill>
+              <a:schemeClr val="accent6"/>
+            </a:solidFill>
+          </p:spPr>
+          <p:txBody>
+            <a:bodyPr/>
+            <a:lstStyle/>
+            <a:p>
+              <a:endParaRPr lang="en-US" dirty="0"/>
+            </a:p>
+          </p:txBody>
+        </p:sp>
+      </p:grpSp>
+      <p:sp>
+        <p:nvSpPr>
+          <p:cNvPr id="59" name="AutoShape 21">
+            <a:extLst>
+              <a:ext uri="{FF2B5EF4-FFF2-40B4-BE49-F238E27FC236}">
+                <a16:creationId xmlns:a16="http://schemas.microsoft.com/office/drawing/2014/main" id="{76BD2BB3-F939-447A-9B0E-D1C4DC33FED4}"/>
               </a:ext>
             </a:extLst>
           </p:cNvPr>
@@ -5749,8 +5966,8 @@
         </p:nvSpPr>
         <p:spPr>
           <a:xfrm flipV="1">
-            <a:off x="15265693" y="3845609"/>
-            <a:ext cx="23426" cy="1724064"/>
+            <a:off x="7110614" y="3913940"/>
+            <a:ext cx="4005" cy="3572544"/>
           </a:xfrm>
           <a:prstGeom prst="line">
             <a:avLst/>
@@ -5774,10 +5991,10 @@
       </p:sp>
       <p:sp>
         <p:nvSpPr>
-          <p:cNvPr id="54" name="TextBox 14">
+          <p:cNvPr id="60" name="TextBox 14">
             <a:extLst>
               <a:ext uri="{FF2B5EF4-FFF2-40B4-BE49-F238E27FC236}">
-                <a16:creationId xmlns:a16="http://schemas.microsoft.com/office/drawing/2014/main" id="{30B70D15-8560-43B2-9846-CFE060BAEB82}"/>
+                <a16:creationId xmlns:a16="http://schemas.microsoft.com/office/drawing/2014/main" id="{E61E559E-7386-4D8D-92B0-B6F5519325D5}"/>
               </a:ext>
             </a:extLst>
           </p:cNvPr>
@@ -5786,7 +6003,7 @@
         </p:nvSpPr>
         <p:spPr>
           <a:xfrm>
-            <a:off x="15747793" y="4175922"/>
+            <a:off x="7573294" y="4244253"/>
             <a:ext cx="3589610" cy="528734"/>
           </a:xfrm>
           <a:prstGeom prst="rect">
@@ -5814,17 +6031,17 @@
                 <a:cs typeface="Aileron"/>
                 <a:sym typeface="Aileron"/>
               </a:rPr>
-              <a:t>Price</a:t>
-            </a:r>
-          </a:p>
-        </p:txBody>
-      </p:sp>
-      <p:sp>
-        <p:nvSpPr>
-          <p:cNvPr id="55" name="TextBox 14">
+              <a:t>Name</a:t>
+            </a:r>
+          </a:p>
+        </p:txBody>
+      </p:sp>
+      <p:sp>
+        <p:nvSpPr>
+          <p:cNvPr id="61" name="TextBox 14">
             <a:extLst>
               <a:ext uri="{FF2B5EF4-FFF2-40B4-BE49-F238E27FC236}">
-                <a16:creationId xmlns:a16="http://schemas.microsoft.com/office/drawing/2014/main" id="{D729F26A-0292-4BE4-BC16-2943610F9806}"/>
+                <a16:creationId xmlns:a16="http://schemas.microsoft.com/office/drawing/2014/main" id="{BE645D71-6F1C-4ADB-A49C-C5B65F1A750B}"/>
               </a:ext>
             </a:extLst>
           </p:cNvPr>
@@ -5833,7 +6050,7 @@
         </p:nvSpPr>
         <p:spPr>
           <a:xfrm>
-            <a:off x="15747793" y="5222510"/>
+            <a:off x="7571254" y="5106873"/>
             <a:ext cx="3589610" cy="531684"/>
           </a:xfrm>
           <a:prstGeom prst="rect">
@@ -5861,17 +6078,17 @@
                 <a:cs typeface="Aileron"/>
                 <a:sym typeface="Aileron"/>
               </a:rPr>
-              <a:t>Quantity</a:t>
-            </a:r>
-          </a:p>
-        </p:txBody>
-      </p:sp>
-      <p:sp>
-        <p:nvSpPr>
-          <p:cNvPr id="50" name="Freeform 23">
+              <a:t>Generic Name</a:t>
+            </a:r>
+          </a:p>
+        </p:txBody>
+      </p:sp>
+      <p:sp>
+        <p:nvSpPr>
+          <p:cNvPr id="62" name="Freeform 23">
             <a:extLst>
               <a:ext uri="{FF2B5EF4-FFF2-40B4-BE49-F238E27FC236}">
-                <a16:creationId xmlns:a16="http://schemas.microsoft.com/office/drawing/2014/main" id="{D4581D5E-69F6-4390-81A1-1A969354020B}"/>
+                <a16:creationId xmlns:a16="http://schemas.microsoft.com/office/drawing/2014/main" id="{12D89BE2-5B59-4A31-AD21-AAF988689606}"/>
               </a:ext>
             </a:extLst>
           </p:cNvPr>
@@ -5880,7 +6097,7 @@
         </p:nvSpPr>
         <p:spPr>
           <a:xfrm>
-            <a:off x="15032550" y="4213945"/>
+            <a:off x="6885744" y="4344718"/>
             <a:ext cx="513137" cy="528735"/>
           </a:xfrm>
           <a:custGeom>
@@ -5932,10 +6149,10 @@
       </p:sp>
       <p:sp>
         <p:nvSpPr>
-          <p:cNvPr id="58" name="Freeform 23">
+          <p:cNvPr id="63" name="Freeform 23">
             <a:extLst>
               <a:ext uri="{FF2B5EF4-FFF2-40B4-BE49-F238E27FC236}">
-                <a16:creationId xmlns:a16="http://schemas.microsoft.com/office/drawing/2014/main" id="{DBF034D6-E7F9-4F4B-833C-79C4381B5EB4}"/>
+                <a16:creationId xmlns:a16="http://schemas.microsoft.com/office/drawing/2014/main" id="{C0168EE0-DEB0-4D12-A4C8-B50CACEA5CD6}"/>
               </a:ext>
             </a:extLst>
           </p:cNvPr>
@@ -5944,7 +6161,7 @@
         </p:nvSpPr>
         <p:spPr>
           <a:xfrm>
-            <a:off x="15032550" y="5320760"/>
+            <a:off x="6899385" y="5171477"/>
             <a:ext cx="513137" cy="528735"/>
           </a:xfrm>
           <a:custGeom>
@@ -5996,10 +6213,10 @@
       </p:sp>
       <p:sp>
         <p:nvSpPr>
-          <p:cNvPr id="59" name="AutoShape 21">
+          <p:cNvPr id="64" name="Freeform 23">
             <a:extLst>
               <a:ext uri="{FF2B5EF4-FFF2-40B4-BE49-F238E27FC236}">
-                <a16:creationId xmlns:a16="http://schemas.microsoft.com/office/drawing/2014/main" id="{76BD2BB3-F939-447A-9B0E-D1C4DC33FED4}"/>
+                <a16:creationId xmlns:a16="http://schemas.microsoft.com/office/drawing/2014/main" id="{D1659B5F-73A5-49FD-8839-9962A4494256}"/>
               </a:ext>
             </a:extLst>
           </p:cNvPr>
@@ -6007,139 +6224,8 @@
           <p:nvPr/>
         </p:nvSpPr>
         <p:spPr>
-          <a:xfrm flipV="1">
-            <a:off x="6794318" y="3926930"/>
-            <a:ext cx="4005" cy="3572544"/>
-          </a:xfrm>
-          <a:prstGeom prst="line">
-            <a:avLst/>
-          </a:prstGeom>
-          <a:ln w="101600" cap="flat">
-            <a:solidFill>
-              <a:srgbClr val="FFFFFF"/>
-            </a:solidFill>
-            <a:prstDash val="solid"/>
-            <a:headEnd type="none" w="sm" len="sm"/>
-            <a:tailEnd type="none" w="sm" len="sm"/>
-          </a:ln>
-        </p:spPr>
-        <p:txBody>
-          <a:bodyPr/>
-          <a:lstStyle/>
-          <a:p>
-            <a:endParaRPr lang="en-US" dirty="0"/>
-          </a:p>
-        </p:txBody>
-      </p:sp>
-      <p:sp>
-        <p:nvSpPr>
-          <p:cNvPr id="60" name="TextBox 14">
-            <a:extLst>
-              <a:ext uri="{FF2B5EF4-FFF2-40B4-BE49-F238E27FC236}">
-                <a16:creationId xmlns:a16="http://schemas.microsoft.com/office/drawing/2014/main" id="{E61E559E-7386-4D8D-92B0-B6F5519325D5}"/>
-              </a:ext>
-            </a:extLst>
-          </p:cNvPr>
-          <p:cNvSpPr txBox="1"/>
-          <p:nvPr/>
-        </p:nvSpPr>
-        <p:spPr>
-          <a:xfrm>
-            <a:off x="7256998" y="4257243"/>
-            <a:ext cx="3589610" cy="528734"/>
-          </a:xfrm>
-          <a:prstGeom prst="rect">
-            <a:avLst/>
-          </a:prstGeom>
-        </p:spPr>
-        <p:txBody>
-          <a:bodyPr wrap="square" lIns="0" tIns="0" rIns="0" bIns="0" rtlCol="0" anchor="t">
-            <a:spAutoFit/>
-          </a:bodyPr>
-          <a:lstStyle/>
-          <a:p>
-            <a:pPr algn="l">
-              <a:lnSpc>
-                <a:spcPts val="4703"/>
-              </a:lnSpc>
-            </a:pPr>
-            <a:r>
-              <a:rPr lang="en-US" sz="2700" i="1" spc="94" dirty="0">
-                <a:solidFill>
-                  <a:srgbClr val="FFFFFF"/>
-                </a:solidFill>
-                <a:latin typeface="Aileron"/>
-                <a:ea typeface="Aileron"/>
-                <a:cs typeface="Aileron"/>
-                <a:sym typeface="Aileron"/>
-              </a:rPr>
-              <a:t>Name</a:t>
-            </a:r>
-          </a:p>
-        </p:txBody>
-      </p:sp>
-      <p:sp>
-        <p:nvSpPr>
-          <p:cNvPr id="61" name="TextBox 14">
-            <a:extLst>
-              <a:ext uri="{FF2B5EF4-FFF2-40B4-BE49-F238E27FC236}">
-                <a16:creationId xmlns:a16="http://schemas.microsoft.com/office/drawing/2014/main" id="{BE645D71-6F1C-4ADB-A49C-C5B65F1A750B}"/>
-              </a:ext>
-            </a:extLst>
-          </p:cNvPr>
-          <p:cNvSpPr txBox="1"/>
-          <p:nvPr/>
-        </p:nvSpPr>
-        <p:spPr>
-          <a:xfrm>
-            <a:off x="7254958" y="5119863"/>
-            <a:ext cx="3589610" cy="531684"/>
-          </a:xfrm>
-          <a:prstGeom prst="rect">
-            <a:avLst/>
-          </a:prstGeom>
-        </p:spPr>
-        <p:txBody>
-          <a:bodyPr wrap="square" lIns="0" tIns="0" rIns="0" bIns="0" rtlCol="0" anchor="t">
-            <a:spAutoFit/>
-          </a:bodyPr>
-          <a:lstStyle/>
-          <a:p>
-            <a:pPr algn="l">
-              <a:lnSpc>
-                <a:spcPts val="4703"/>
-              </a:lnSpc>
-            </a:pPr>
-            <a:r>
-              <a:rPr lang="en-US" sz="2700" i="1" spc="94" dirty="0">
-                <a:solidFill>
-                  <a:srgbClr val="FFFFFF"/>
-                </a:solidFill>
-                <a:latin typeface="Aileron"/>
-                <a:ea typeface="Aileron"/>
-                <a:cs typeface="Aileron"/>
-                <a:sym typeface="Aileron"/>
-              </a:rPr>
-              <a:t>Generic Name</a:t>
-            </a:r>
-          </a:p>
-        </p:txBody>
-      </p:sp>
-      <p:sp>
-        <p:nvSpPr>
-          <p:cNvPr id="62" name="Freeform 23">
-            <a:extLst>
-              <a:ext uri="{FF2B5EF4-FFF2-40B4-BE49-F238E27FC236}">
-                <a16:creationId xmlns:a16="http://schemas.microsoft.com/office/drawing/2014/main" id="{12D89BE2-5B59-4A31-AD21-AAF988689606}"/>
-              </a:ext>
-            </a:extLst>
-          </p:cNvPr>
-          <p:cNvSpPr/>
-          <p:nvPr/>
-        </p:nvSpPr>
-        <p:spPr>
-          <a:xfrm>
-            <a:off x="6541755" y="4295266"/>
+          <a:xfrm>
+            <a:off x="6896112" y="6060064"/>
             <a:ext cx="513137" cy="528735"/>
           </a:xfrm>
           <a:custGeom>
@@ -6191,10 +6277,10 @@
       </p:sp>
       <p:sp>
         <p:nvSpPr>
-          <p:cNvPr id="63" name="Freeform 23">
+          <p:cNvPr id="65" name="Freeform 23">
             <a:extLst>
               <a:ext uri="{FF2B5EF4-FFF2-40B4-BE49-F238E27FC236}">
-                <a16:creationId xmlns:a16="http://schemas.microsoft.com/office/drawing/2014/main" id="{C0168EE0-DEB0-4D12-A4C8-B50CACEA5CD6}"/>
+                <a16:creationId xmlns:a16="http://schemas.microsoft.com/office/drawing/2014/main" id="{34B91334-6E05-4CC3-99ED-FAFA3893F4D6}"/>
               </a:ext>
             </a:extLst>
           </p:cNvPr>
@@ -6203,7 +6289,7 @@
         </p:nvSpPr>
         <p:spPr>
           <a:xfrm>
-            <a:off x="6583089" y="5184467"/>
+            <a:off x="6884398" y="6990771"/>
             <a:ext cx="513137" cy="528735"/>
           </a:xfrm>
           <a:custGeom>
@@ -6255,10 +6341,104 @@
       </p:sp>
       <p:sp>
         <p:nvSpPr>
-          <p:cNvPr id="64" name="Freeform 23">
+          <p:cNvPr id="67" name="TextBox 14">
             <a:extLst>
               <a:ext uri="{FF2B5EF4-FFF2-40B4-BE49-F238E27FC236}">
-                <a16:creationId xmlns:a16="http://schemas.microsoft.com/office/drawing/2014/main" id="{D1659B5F-73A5-49FD-8839-9962A4494256}"/>
+                <a16:creationId xmlns:a16="http://schemas.microsoft.com/office/drawing/2014/main" id="{38B0118D-CFE3-45E5-A7A9-2FC9410843F2}"/>
+              </a:ext>
+            </a:extLst>
+          </p:cNvPr>
+          <p:cNvSpPr txBox="1"/>
+          <p:nvPr/>
+        </p:nvSpPr>
+        <p:spPr>
+          <a:xfrm>
+            <a:off x="7609548" y="6916776"/>
+            <a:ext cx="3589610" cy="531684"/>
+          </a:xfrm>
+          <a:prstGeom prst="rect">
+            <a:avLst/>
+          </a:prstGeom>
+        </p:spPr>
+        <p:txBody>
+          <a:bodyPr wrap="square" lIns="0" tIns="0" rIns="0" bIns="0" rtlCol="0" anchor="t">
+            <a:spAutoFit/>
+          </a:bodyPr>
+          <a:lstStyle/>
+          <a:p>
+            <a:pPr algn="l">
+              <a:lnSpc>
+                <a:spcPts val="4703"/>
+              </a:lnSpc>
+            </a:pPr>
+            <a:r>
+              <a:rPr lang="en-US" sz="2700" i="1" spc="94" dirty="0">
+                <a:solidFill>
+                  <a:srgbClr val="FFFFFF"/>
+                </a:solidFill>
+                <a:latin typeface="Aileron"/>
+                <a:ea typeface="Aileron"/>
+                <a:cs typeface="Aileron"/>
+                <a:sym typeface="Aileron"/>
+              </a:rPr>
+              <a:t>Quantity</a:t>
+            </a:r>
+          </a:p>
+        </p:txBody>
+      </p:sp>
+      <p:sp>
+        <p:nvSpPr>
+          <p:cNvPr id="68" name="TextBox 14">
+            <a:extLst>
+              <a:ext uri="{FF2B5EF4-FFF2-40B4-BE49-F238E27FC236}">
+                <a16:creationId xmlns:a16="http://schemas.microsoft.com/office/drawing/2014/main" id="{B6739DF1-B271-4FE4-97CD-F9FEDC93E2A9}"/>
+              </a:ext>
+            </a:extLst>
+          </p:cNvPr>
+          <p:cNvSpPr txBox="1"/>
+          <p:nvPr/>
+        </p:nvSpPr>
+        <p:spPr>
+          <a:xfrm>
+            <a:off x="7579188" y="5986339"/>
+            <a:ext cx="3589610" cy="531684"/>
+          </a:xfrm>
+          <a:prstGeom prst="rect">
+            <a:avLst/>
+          </a:prstGeom>
+        </p:spPr>
+        <p:txBody>
+          <a:bodyPr wrap="square" lIns="0" tIns="0" rIns="0" bIns="0" rtlCol="0" anchor="t">
+            <a:spAutoFit/>
+          </a:bodyPr>
+          <a:lstStyle/>
+          <a:p>
+            <a:pPr algn="l">
+              <a:lnSpc>
+                <a:spcPts val="4703"/>
+              </a:lnSpc>
+            </a:pPr>
+            <a:r>
+              <a:rPr lang="en-US" sz="2700" i="1" spc="94" dirty="0">
+                <a:solidFill>
+                  <a:srgbClr val="FFFFFF"/>
+                </a:solidFill>
+                <a:latin typeface="Aileron"/>
+                <a:ea typeface="Aileron"/>
+                <a:cs typeface="Aileron"/>
+                <a:sym typeface="Aileron"/>
+              </a:rPr>
+              <a:t>Expiry Date</a:t>
+            </a:r>
+          </a:p>
+        </p:txBody>
+      </p:sp>
+      <p:sp>
+        <p:nvSpPr>
+          <p:cNvPr id="71" name="AutoShape 21">
+            <a:extLst>
+              <a:ext uri="{FF2B5EF4-FFF2-40B4-BE49-F238E27FC236}">
+                <a16:creationId xmlns:a16="http://schemas.microsoft.com/office/drawing/2014/main" id="{8AAAB01C-499C-4B60-9660-7D4DE69FD022}"/>
               </a:ext>
             </a:extLst>
           </p:cNvPr>
@@ -6266,8 +6446,139 @@
           <p:nvPr/>
         </p:nvSpPr>
         <p:spPr>
-          <a:xfrm>
-            <a:off x="6579816" y="6073054"/>
+          <a:xfrm flipV="1">
+            <a:off x="7079469" y="8164603"/>
+            <a:ext cx="0" cy="1241700"/>
+          </a:xfrm>
+          <a:prstGeom prst="line">
+            <a:avLst/>
+          </a:prstGeom>
+          <a:ln w="101600" cap="flat">
+            <a:solidFill>
+              <a:srgbClr val="FFFFFF"/>
+            </a:solidFill>
+            <a:prstDash val="solid"/>
+            <a:headEnd type="none" w="sm" len="sm"/>
+            <a:tailEnd type="none" w="sm" len="sm"/>
+          </a:ln>
+        </p:spPr>
+        <p:txBody>
+          <a:bodyPr/>
+          <a:lstStyle/>
+          <a:p>
+            <a:endParaRPr lang="en-US" dirty="0"/>
+          </a:p>
+        </p:txBody>
+      </p:sp>
+      <p:sp>
+        <p:nvSpPr>
+          <p:cNvPr id="72" name="TextBox 14">
+            <a:extLst>
+              <a:ext uri="{FF2B5EF4-FFF2-40B4-BE49-F238E27FC236}">
+                <a16:creationId xmlns:a16="http://schemas.microsoft.com/office/drawing/2014/main" id="{D84D8867-83C6-4F34-84A3-184BBCC9623A}"/>
+              </a:ext>
+            </a:extLst>
+          </p:cNvPr>
+          <p:cNvSpPr txBox="1"/>
+          <p:nvPr/>
+        </p:nvSpPr>
+        <p:spPr>
+          <a:xfrm>
+            <a:off x="7543388" y="8411774"/>
+            <a:ext cx="3589610" cy="528734"/>
+          </a:xfrm>
+          <a:prstGeom prst="rect">
+            <a:avLst/>
+          </a:prstGeom>
+        </p:spPr>
+        <p:txBody>
+          <a:bodyPr wrap="square" lIns="0" tIns="0" rIns="0" bIns="0" rtlCol="0" anchor="t">
+            <a:spAutoFit/>
+          </a:bodyPr>
+          <a:lstStyle/>
+          <a:p>
+            <a:pPr algn="l">
+              <a:lnSpc>
+                <a:spcPts val="4703"/>
+              </a:lnSpc>
+            </a:pPr>
+            <a:r>
+              <a:rPr lang="en-US" sz="2700" i="1" spc="94" dirty="0">
+                <a:solidFill>
+                  <a:srgbClr val="FFFFFF"/>
+                </a:solidFill>
+                <a:latin typeface="Aileron"/>
+                <a:ea typeface="Aileron"/>
+                <a:cs typeface="Aileron"/>
+                <a:sym typeface="Aileron"/>
+              </a:rPr>
+              <a:t>Quantity</a:t>
+            </a:r>
+          </a:p>
+        </p:txBody>
+      </p:sp>
+      <p:sp>
+        <p:nvSpPr>
+          <p:cNvPr id="73" name="TextBox 14">
+            <a:extLst>
+              <a:ext uri="{FF2B5EF4-FFF2-40B4-BE49-F238E27FC236}">
+                <a16:creationId xmlns:a16="http://schemas.microsoft.com/office/drawing/2014/main" id="{D3C11BBE-F9B8-47CA-A209-A7D661F219B2}"/>
+              </a:ext>
+            </a:extLst>
+          </p:cNvPr>
+          <p:cNvSpPr txBox="1"/>
+          <p:nvPr/>
+        </p:nvSpPr>
+        <p:spPr>
+          <a:xfrm>
+            <a:off x="7531179" y="9255495"/>
+            <a:ext cx="3589610" cy="531684"/>
+          </a:xfrm>
+          <a:prstGeom prst="rect">
+            <a:avLst/>
+          </a:prstGeom>
+        </p:spPr>
+        <p:txBody>
+          <a:bodyPr wrap="square" lIns="0" tIns="0" rIns="0" bIns="0" rtlCol="0" anchor="t">
+            <a:spAutoFit/>
+          </a:bodyPr>
+          <a:lstStyle/>
+          <a:p>
+            <a:pPr algn="l">
+              <a:lnSpc>
+                <a:spcPts val="4703"/>
+              </a:lnSpc>
+            </a:pPr>
+            <a:r>
+              <a:rPr lang="en-US" sz="2700" i="1" spc="94" dirty="0">
+                <a:solidFill>
+                  <a:srgbClr val="FFFFFF"/>
+                </a:solidFill>
+                <a:latin typeface="Aileron"/>
+                <a:ea typeface="Aileron"/>
+                <a:cs typeface="Aileron"/>
+                <a:sym typeface="Aileron"/>
+              </a:rPr>
+              <a:t>Supplier</a:t>
+            </a:r>
+          </a:p>
+        </p:txBody>
+      </p:sp>
+      <p:sp>
+        <p:nvSpPr>
+          <p:cNvPr id="74" name="Freeform 23">
+            <a:extLst>
+              <a:ext uri="{FF2B5EF4-FFF2-40B4-BE49-F238E27FC236}">
+                <a16:creationId xmlns:a16="http://schemas.microsoft.com/office/drawing/2014/main" id="{58166C8F-492A-417C-B75F-BA48DEA5A2E8}"/>
+              </a:ext>
+            </a:extLst>
+          </p:cNvPr>
+          <p:cNvSpPr/>
+          <p:nvPr/>
+        </p:nvSpPr>
+        <p:spPr>
+          <a:xfrm>
+            <a:off x="6858068" y="9332627"/>
             <a:ext cx="513137" cy="528735"/>
           </a:xfrm>
           <a:custGeom>
@@ -6319,10 +6630,10 @@
       </p:sp>
       <p:sp>
         <p:nvSpPr>
-          <p:cNvPr id="65" name="Freeform 23">
+          <p:cNvPr id="50" name="Freeform 23">
             <a:extLst>
               <a:ext uri="{FF2B5EF4-FFF2-40B4-BE49-F238E27FC236}">
-                <a16:creationId xmlns:a16="http://schemas.microsoft.com/office/drawing/2014/main" id="{34B91334-6E05-4CC3-99ED-FAFA3893F4D6}"/>
+                <a16:creationId xmlns:a16="http://schemas.microsoft.com/office/drawing/2014/main" id="{D4581D5E-69F6-4390-81A1-1A969354020B}"/>
               </a:ext>
             </a:extLst>
           </p:cNvPr>
@@ -6331,7 +6642,7 @@
         </p:nvSpPr>
         <p:spPr>
           <a:xfrm>
-            <a:off x="6578177" y="7017568"/>
+            <a:off x="15032550" y="4216950"/>
             <a:ext cx="513137" cy="528735"/>
           </a:xfrm>
           <a:custGeom>
@@ -6383,95 +6694,65 @@
       </p:sp>
       <p:sp>
         <p:nvSpPr>
-          <p:cNvPr id="67" name="TextBox 14">
+          <p:cNvPr id="75" name="Freeform 23">
             <a:extLst>
               <a:ext uri="{FF2B5EF4-FFF2-40B4-BE49-F238E27FC236}">
-                <a16:creationId xmlns:a16="http://schemas.microsoft.com/office/drawing/2014/main" id="{38B0118D-CFE3-45E5-A7A9-2FC9410843F2}"/>
+                <a16:creationId xmlns:a16="http://schemas.microsoft.com/office/drawing/2014/main" id="{D5B28693-5929-429C-95A7-BAB4EBFDF4D6}"/>
               </a:ext>
             </a:extLst>
           </p:cNvPr>
-          <p:cNvSpPr txBox="1"/>
+          <p:cNvSpPr/>
           <p:nvPr/>
         </p:nvSpPr>
         <p:spPr>
           <a:xfrm>
-            <a:off x="7293252" y="6929766"/>
-            <a:ext cx="3589610" cy="531684"/>
-          </a:xfrm>
-          <a:prstGeom prst="rect">
+            <a:off x="6858068" y="8474270"/>
+            <a:ext cx="513137" cy="528735"/>
+          </a:xfrm>
+          <a:custGeom>
             <a:avLst/>
-          </a:prstGeom>
-        </p:spPr>
-        <p:txBody>
-          <a:bodyPr wrap="square" lIns="0" tIns="0" rIns="0" bIns="0" rtlCol="0" anchor="t">
-            <a:spAutoFit/>
-          </a:bodyPr>
+            <a:gdLst/>
+            <a:ahLst/>
+            <a:cxnLst/>
+            <a:rect l="l" t="t" r="r" b="b"/>
+            <a:pathLst>
+              <a:path w="812800" h="812800">
+                <a:moveTo>
+                  <a:pt x="406400" y="0"/>
+                </a:moveTo>
+                <a:cubicBezTo>
+                  <a:pt x="181951" y="0"/>
+                  <a:pt x="0" y="181951"/>
+                  <a:pt x="0" y="406400"/>
+                </a:cubicBezTo>
+                <a:cubicBezTo>
+                  <a:pt x="0" y="630849"/>
+                  <a:pt x="181951" y="812800"/>
+                  <a:pt x="406400" y="812800"/>
+                </a:cubicBezTo>
+                <a:cubicBezTo>
+                  <a:pt x="630849" y="812800"/>
+                  <a:pt x="812800" y="630849"/>
+                  <a:pt x="812800" y="406400"/>
+                </a:cubicBezTo>
+                <a:cubicBezTo>
+                  <a:pt x="812800" y="181951"/>
+                  <a:pt x="630849" y="0"/>
+                  <a:pt x="406400" y="0"/>
+                </a:cubicBezTo>
+                <a:close/>
+              </a:path>
+            </a:pathLst>
+          </a:custGeom>
+          <a:solidFill>
+            <a:schemeClr val="accent6"/>
+          </a:solidFill>
+        </p:spPr>
+        <p:txBody>
+          <a:bodyPr/>
           <a:lstStyle/>
           <a:p>
-            <a:pPr algn="l">
-              <a:lnSpc>
-                <a:spcPts val="4703"/>
-              </a:lnSpc>
-            </a:pPr>
-            <a:r>
-              <a:rPr lang="en-US" sz="2700" i="1" spc="94" dirty="0">
-                <a:solidFill>
-                  <a:srgbClr val="FFFFFF"/>
-                </a:solidFill>
-                <a:latin typeface="Aileron"/>
-                <a:ea typeface="Aileron"/>
-                <a:cs typeface="Aileron"/>
-                <a:sym typeface="Aileron"/>
-              </a:rPr>
-              <a:t>Quantity</a:t>
-            </a:r>
-          </a:p>
-        </p:txBody>
-      </p:sp>
-      <p:sp>
-        <p:nvSpPr>
-          <p:cNvPr id="68" name="TextBox 14">
-            <a:extLst>
-              <a:ext uri="{FF2B5EF4-FFF2-40B4-BE49-F238E27FC236}">
-                <a16:creationId xmlns:a16="http://schemas.microsoft.com/office/drawing/2014/main" id="{B6739DF1-B271-4FE4-97CD-F9FEDC93E2A9}"/>
-              </a:ext>
-            </a:extLst>
-          </p:cNvPr>
-          <p:cNvSpPr txBox="1"/>
-          <p:nvPr/>
-        </p:nvSpPr>
-        <p:spPr>
-          <a:xfrm>
-            <a:off x="7262892" y="5999329"/>
-            <a:ext cx="3589610" cy="531684"/>
-          </a:xfrm>
-          <a:prstGeom prst="rect">
-            <a:avLst/>
-          </a:prstGeom>
-        </p:spPr>
-        <p:txBody>
-          <a:bodyPr wrap="square" lIns="0" tIns="0" rIns="0" bIns="0" rtlCol="0" anchor="t">
-            <a:spAutoFit/>
-          </a:bodyPr>
-          <a:lstStyle/>
-          <a:p>
-            <a:pPr algn="l">
-              <a:lnSpc>
-                <a:spcPts val="4703"/>
-              </a:lnSpc>
-            </a:pPr>
-            <a:r>
-              <a:rPr lang="en-US" sz="2700" i="1" spc="94" dirty="0">
-                <a:solidFill>
-                  <a:srgbClr val="FFFFFF"/>
-                </a:solidFill>
-                <a:latin typeface="Aileron"/>
-                <a:ea typeface="Aileron"/>
-                <a:cs typeface="Aileron"/>
-                <a:sym typeface="Aileron"/>
-              </a:rPr>
-              <a:t>Expiry Date</a:t>
-            </a:r>
+            <a:endParaRPr lang="en-US" dirty="0"/>
           </a:p>
         </p:txBody>
       </p:sp>
@@ -8551,12 +8832,103 @@
                 <a:cs typeface="VT323"/>
                 <a:sym typeface="VT323"/>
               </a:rPr>
+              <a:t>== DEMO ==</a:t>
+            </a:r>
+            <a:endParaRPr lang="en-US" sz="19125" dirty="0">
+              <a:solidFill>
+                <a:srgbClr val="00FFFF"/>
+              </a:solidFill>
+              <a:latin typeface="VT323"/>
+              <a:ea typeface="VT323"/>
+              <a:cs typeface="VT323"/>
+              <a:sym typeface="VT323"/>
+            </a:endParaRPr>
+          </a:p>
+        </p:txBody>
+      </p:sp>
+    </p:spTree>
+  </p:cSld>
+  <p:clrMapOvr>
+    <a:masterClrMapping/>
+  </p:clrMapOvr>
+</p:sld>
+</file>
+
+<file path=ppt/slides/slide8.xml><?xml version="1.0" encoding="utf-8"?>
+<p:sld xmlns:a="http://schemas.openxmlformats.org/drawingml/2006/main" xmlns:r="http://schemas.openxmlformats.org/officeDocument/2006/relationships" xmlns:p="http://schemas.openxmlformats.org/presentationml/2006/main">
+  <p:cSld>
+    <p:bg>
+      <p:bgPr>
+        <a:solidFill>
+          <a:srgbClr val="00293D"/>
+        </a:solidFill>
+        <a:effectLst/>
+      </p:bgPr>
+    </p:bg>
+    <p:spTree>
+      <p:nvGrpSpPr>
+        <p:cNvPr id="1" name=""/>
+        <p:cNvGrpSpPr/>
+        <p:nvPr/>
+      </p:nvGrpSpPr>
+      <p:grpSpPr>
+        <a:xfrm>
+          <a:off x="0" y="0"/>
+          <a:ext cx="0" cy="0"/>
+          <a:chOff x="0" y="0"/>
+          <a:chExt cx="0" cy="0"/>
+        </a:xfrm>
+      </p:grpSpPr>
+      <p:sp>
+        <p:nvSpPr>
+          <p:cNvPr id="2" name="TextBox 2"/>
+          <p:cNvSpPr txBox="1"/>
+          <p:nvPr/>
+        </p:nvSpPr>
+        <p:spPr>
+          <a:xfrm>
+            <a:off x="540557" y="3144182"/>
+            <a:ext cx="17412685" cy="3266813"/>
+          </a:xfrm>
+          <a:prstGeom prst="rect">
+            <a:avLst/>
+          </a:prstGeom>
+        </p:spPr>
+        <p:txBody>
+          <a:bodyPr lIns="0" tIns="0" rIns="0" bIns="0" rtlCol="0" anchor="t">
+            <a:spAutoFit/>
+          </a:bodyPr>
+          <a:lstStyle/>
+          <a:p>
+            <a:pPr marL="0" lvl="0" indent="0" algn="ctr">
+              <a:lnSpc>
+                <a:spcPts val="26775"/>
+              </a:lnSpc>
+              <a:spcBef>
+                <a:spcPct val="0"/>
+              </a:spcBef>
+            </a:pPr>
+            <a:r>
+              <a:rPr lang="en-US" sz="19125">
+                <a:solidFill>
+                  <a:srgbClr val="00FFFF"/>
+                </a:solidFill>
+                <a:latin typeface="VT323"/>
+                <a:ea typeface="VT323"/>
+                <a:cs typeface="VT323"/>
+                <a:sym typeface="VT323"/>
+              </a:rPr>
               <a:t>==* THANK YOU *==</a:t>
             </a:r>
           </a:p>
         </p:txBody>
       </p:sp>
     </p:spTree>
+    <p:extLst>
+      <p:ext uri="{BB962C8B-B14F-4D97-AF65-F5344CB8AC3E}">
+        <p14:creationId xmlns:p14="http://schemas.microsoft.com/office/powerpoint/2010/main" val="139591908"/>
+      </p:ext>
+    </p:extLst>
   </p:cSld>
   <p:clrMapOvr>
     <a:masterClrMapping/>

--- a/Progress Presentation/SPL Progress.pptx
+++ b/Progress Presentation/SPL Progress.pptx
@@ -264,7 +264,7 @@
           <a:p>
             <a:fld id="{E065068A-6F9B-4592-BBE8-24B7074613BF}" type="datetimeFigureOut">
               <a:rPr lang="en-US" smtClean="0"/>
-              <a:t>11/5/2024</a:t>
+              <a:t>11/6/2024</a:t>
             </a:fld>
             <a:endParaRPr lang="en-US"/>
           </a:p>
@@ -795,7 +795,7 @@
             <a:fld id="{1D8BD707-D9CF-40AE-B4C6-C98DA3205C09}" type="datetimeFigureOut">
               <a:rPr lang="en-US" smtClean="0"/>
               <a:pPr/>
-              <a:t>11/5/2024</a:t>
+              <a:t>11/6/2024</a:t>
             </a:fld>
             <a:endParaRPr lang="en-US"/>
           </a:p>
@@ -960,7 +960,7 @@
             <a:fld id="{1D8BD707-D9CF-40AE-B4C6-C98DA3205C09}" type="datetimeFigureOut">
               <a:rPr lang="en-US" smtClean="0"/>
               <a:pPr/>
-              <a:t>11/5/2024</a:t>
+              <a:t>11/6/2024</a:t>
             </a:fld>
             <a:endParaRPr lang="en-US"/>
           </a:p>
@@ -1135,7 +1135,7 @@
             <a:fld id="{1D8BD707-D9CF-40AE-B4C6-C98DA3205C09}" type="datetimeFigureOut">
               <a:rPr lang="en-US" smtClean="0"/>
               <a:pPr/>
-              <a:t>11/5/2024</a:t>
+              <a:t>11/6/2024</a:t>
             </a:fld>
             <a:endParaRPr lang="en-US"/>
           </a:p>
@@ -1300,7 +1300,7 @@
             <a:fld id="{1D8BD707-D9CF-40AE-B4C6-C98DA3205C09}" type="datetimeFigureOut">
               <a:rPr lang="en-US" smtClean="0"/>
               <a:pPr/>
-              <a:t>11/5/2024</a:t>
+              <a:t>11/6/2024</a:t>
             </a:fld>
             <a:endParaRPr lang="en-US"/>
           </a:p>
@@ -1542,7 +1542,7 @@
             <a:fld id="{1D8BD707-D9CF-40AE-B4C6-C98DA3205C09}" type="datetimeFigureOut">
               <a:rPr lang="en-US" smtClean="0"/>
               <a:pPr/>
-              <a:t>11/5/2024</a:t>
+              <a:t>11/6/2024</a:t>
             </a:fld>
             <a:endParaRPr lang="en-US"/>
           </a:p>
@@ -1824,7 +1824,7 @@
             <a:fld id="{1D8BD707-D9CF-40AE-B4C6-C98DA3205C09}" type="datetimeFigureOut">
               <a:rPr lang="en-US" smtClean="0"/>
               <a:pPr/>
-              <a:t>11/5/2024</a:t>
+              <a:t>11/6/2024</a:t>
             </a:fld>
             <a:endParaRPr lang="en-US"/>
           </a:p>
@@ -2240,7 +2240,7 @@
             <a:fld id="{1D8BD707-D9CF-40AE-B4C6-C98DA3205C09}" type="datetimeFigureOut">
               <a:rPr lang="en-US" smtClean="0"/>
               <a:pPr/>
-              <a:t>11/5/2024</a:t>
+              <a:t>11/6/2024</a:t>
             </a:fld>
             <a:endParaRPr lang="en-US"/>
           </a:p>
@@ -2354,7 +2354,7 @@
             <a:fld id="{1D8BD707-D9CF-40AE-B4C6-C98DA3205C09}" type="datetimeFigureOut">
               <a:rPr lang="en-US" smtClean="0"/>
               <a:pPr/>
-              <a:t>11/5/2024</a:t>
+              <a:t>11/6/2024</a:t>
             </a:fld>
             <a:endParaRPr lang="en-US"/>
           </a:p>
@@ -2446,7 +2446,7 @@
             <a:fld id="{1D8BD707-D9CF-40AE-B4C6-C98DA3205C09}" type="datetimeFigureOut">
               <a:rPr lang="en-US" smtClean="0"/>
               <a:pPr/>
-              <a:t>11/5/2024</a:t>
+              <a:t>11/6/2024</a:t>
             </a:fld>
             <a:endParaRPr lang="en-US"/>
           </a:p>
@@ -2718,7 +2718,7 @@
             <a:fld id="{1D8BD707-D9CF-40AE-B4C6-C98DA3205C09}" type="datetimeFigureOut">
               <a:rPr lang="en-US" smtClean="0"/>
               <a:pPr/>
-              <a:t>11/5/2024</a:t>
+              <a:t>11/6/2024</a:t>
             </a:fld>
             <a:endParaRPr lang="en-US"/>
           </a:p>
@@ -2967,7 +2967,7 @@
             <a:fld id="{1D8BD707-D9CF-40AE-B4C6-C98DA3205C09}" type="datetimeFigureOut">
               <a:rPr lang="en-US" smtClean="0"/>
               <a:pPr/>
-              <a:t>11/5/2024</a:t>
+              <a:t>11/6/2024</a:t>
             </a:fld>
             <a:endParaRPr lang="en-US"/>
           </a:p>
@@ -3175,7 +3175,7 @@
             <a:fld id="{1D8BD707-D9CF-40AE-B4C6-C98DA3205C09}" type="datetimeFigureOut">
               <a:rPr lang="en-US" smtClean="0"/>
               <a:pPr/>
-              <a:t>11/5/2024</a:t>
+              <a:t>11/6/2024</a:t>
             </a:fld>
             <a:endParaRPr lang="en-US"/>
           </a:p>
@@ -3853,7 +3853,7 @@
         </p:nvSpPr>
         <p:spPr>
           <a:xfrm>
-            <a:off x="-667710" y="6989658"/>
+            <a:off x="-666493" y="6972300"/>
             <a:ext cx="2647750" cy="2647750"/>
           </a:xfrm>
           <a:custGeom>
@@ -7682,8 +7682,8 @@
         </p:nvGrpSpPr>
         <p:grpSpPr>
           <a:xfrm>
-            <a:off x="4402844" y="8462069"/>
-            <a:ext cx="938367" cy="957385"/>
+            <a:off x="4457078" y="8071001"/>
+            <a:ext cx="873523" cy="777038"/>
             <a:chOff x="0" y="0"/>
             <a:chExt cx="812800" cy="829273"/>
           </a:xfrm>
@@ -7764,7 +7764,7 @@
                 </a:lnSpc>
               </a:pPr>
               <a:r>
-                <a:rPr lang="en-US" sz="3999" spc="119">
+                <a:rPr lang="en-US" sz="3999" spc="119" dirty="0">
                   <a:solidFill>
                     <a:srgbClr val="FFFFFF"/>
                   </a:solidFill>
@@ -8116,7 +8116,7 @@
               </a:lnSpc>
             </a:pPr>
             <a:r>
-              <a:rPr lang="en-US" sz="2824" spc="84">
+              <a:rPr lang="en-US" sz="2824" spc="84" dirty="0">
                 <a:solidFill>
                   <a:srgbClr val="FFFFFF"/>
                 </a:solidFill>
@@ -8125,8 +8125,29 @@
                 <a:cs typeface="Aileron"/>
                 <a:sym typeface="Aileron"/>
               </a:rPr>
-              <a:t>Print Recipt</a:t>
-            </a:r>
+              <a:t>Print </a:t>
+            </a:r>
+            <a:r>
+              <a:rPr lang="en-US" sz="2824" spc="84" dirty="0" err="1">
+                <a:solidFill>
+                  <a:srgbClr val="FFFFFF"/>
+                </a:solidFill>
+                <a:latin typeface="Aileron"/>
+                <a:ea typeface="Aileron"/>
+                <a:cs typeface="Aileron"/>
+                <a:sym typeface="Aileron"/>
+              </a:rPr>
+              <a:t>Recipt</a:t>
+            </a:r>
+            <a:endParaRPr lang="en-US" sz="2824" spc="84" dirty="0">
+              <a:solidFill>
+                <a:srgbClr val="FFFFFF"/>
+              </a:solidFill>
+              <a:latin typeface="Aileron"/>
+              <a:ea typeface="Aileron"/>
+              <a:cs typeface="Aileron"/>
+              <a:sym typeface="Aileron"/>
+            </a:endParaRPr>
           </a:p>
         </p:txBody>
       </p:sp>
@@ -8214,63 +8235,6 @@
       </p:sp>
       <p:sp>
         <p:nvSpPr>
-          <p:cNvPr id="40" name="TextBox 40"/>
-          <p:cNvSpPr txBox="1"/>
-          <p:nvPr/>
-        </p:nvSpPr>
-        <p:spPr>
-          <a:xfrm>
-            <a:off x="5554835" y="8579516"/>
-            <a:ext cx="4026175" cy="1252792"/>
-          </a:xfrm>
-          <a:prstGeom prst="rect">
-            <a:avLst/>
-          </a:prstGeom>
-        </p:spPr>
-        <p:txBody>
-          <a:bodyPr lIns="0" tIns="0" rIns="0" bIns="0" rtlCol="0" anchor="t">
-            <a:spAutoFit/>
-          </a:bodyPr>
-          <a:lstStyle/>
-          <a:p>
-            <a:pPr algn="l">
-              <a:lnSpc>
-                <a:spcPts val="5052"/>
-              </a:lnSpc>
-            </a:pPr>
-            <a:r>
-              <a:rPr lang="en-US" sz="3368" b="1" spc="101">
-                <a:solidFill>
-                  <a:srgbClr val="FFFFFF"/>
-                </a:solidFill>
-                <a:latin typeface="Aileron Bold"/>
-                <a:ea typeface="Aileron Bold"/>
-                <a:cs typeface="Aileron Bold"/>
-                <a:sym typeface="Aileron Bold"/>
-              </a:rPr>
-              <a:t>Selling trends.</a:t>
-            </a:r>
-          </a:p>
-          <a:p>
-            <a:pPr algn="l">
-              <a:lnSpc>
-                <a:spcPts val="5052"/>
-              </a:lnSpc>
-            </a:pPr>
-            <a:endParaRPr lang="en-US" sz="3368" b="1" spc="101">
-              <a:solidFill>
-                <a:srgbClr val="FFFFFF"/>
-              </a:solidFill>
-              <a:latin typeface="Aileron Bold"/>
-              <a:ea typeface="Aileron Bold"/>
-              <a:cs typeface="Aileron Bold"/>
-              <a:sym typeface="Aileron Bold"/>
-            </a:endParaRPr>
-          </a:p>
-        </p:txBody>
-      </p:sp>
-      <p:sp>
-        <p:nvSpPr>
           <p:cNvPr id="41" name="TextBox 41"/>
           <p:cNvSpPr txBox="1"/>
           <p:nvPr/>
@@ -8307,6 +8271,244 @@
               </a:rPr>
               <a:t>Automated Stock Reduction</a:t>
             </a:r>
+          </a:p>
+        </p:txBody>
+      </p:sp>
+      <p:grpSp>
+        <p:nvGrpSpPr>
+          <p:cNvPr id="42" name="Group 26">
+            <a:extLst>
+              <a:ext uri="{FF2B5EF4-FFF2-40B4-BE49-F238E27FC236}">
+                <a16:creationId xmlns:a16="http://schemas.microsoft.com/office/drawing/2014/main" id="{DDB60E4B-4B85-457A-B4AD-A09788B06EEE}"/>
+              </a:ext>
+            </a:extLst>
+          </p:cNvPr>
+          <p:cNvGrpSpPr/>
+          <p:nvPr/>
+        </p:nvGrpSpPr>
+        <p:grpSpPr>
+          <a:xfrm>
+            <a:off x="4407140" y="9318805"/>
+            <a:ext cx="873523" cy="777038"/>
+            <a:chOff x="0" y="0"/>
+            <a:chExt cx="812800" cy="829273"/>
+          </a:xfrm>
+        </p:grpSpPr>
+        <p:sp>
+          <p:nvSpPr>
+            <p:cNvPr id="43" name="Freeform 27">
+              <a:extLst>
+                <a:ext uri="{FF2B5EF4-FFF2-40B4-BE49-F238E27FC236}">
+                  <a16:creationId xmlns:a16="http://schemas.microsoft.com/office/drawing/2014/main" id="{5FFCEC58-6D74-4795-8423-C3610A75FFF6}"/>
+                </a:ext>
+              </a:extLst>
+            </p:cNvPr>
+            <p:cNvSpPr/>
+            <p:nvPr/>
+          </p:nvSpPr>
+          <p:spPr>
+            <a:xfrm>
+              <a:off x="0" y="0"/>
+              <a:ext cx="812800" cy="829273"/>
+            </a:xfrm>
+            <a:custGeom>
+              <a:avLst/>
+              <a:gdLst/>
+              <a:ahLst/>
+              <a:cxnLst/>
+              <a:rect l="l" t="t" r="r" b="b"/>
+              <a:pathLst>
+                <a:path w="812800" h="829273">
+                  <a:moveTo>
+                    <a:pt x="406400" y="0"/>
+                  </a:moveTo>
+                  <a:cubicBezTo>
+                    <a:pt x="181951" y="0"/>
+                    <a:pt x="0" y="185639"/>
+                    <a:pt x="0" y="414636"/>
+                  </a:cubicBezTo>
+                  <a:cubicBezTo>
+                    <a:pt x="0" y="643634"/>
+                    <a:pt x="181951" y="829273"/>
+                    <a:pt x="406400" y="829273"/>
+                  </a:cubicBezTo>
+                  <a:cubicBezTo>
+                    <a:pt x="630849" y="829273"/>
+                    <a:pt x="812800" y="643634"/>
+                    <a:pt x="812800" y="414636"/>
+                  </a:cubicBezTo>
+                  <a:cubicBezTo>
+                    <a:pt x="812800" y="185639"/>
+                    <a:pt x="630849" y="0"/>
+                    <a:pt x="406400" y="0"/>
+                  </a:cubicBezTo>
+                  <a:close/>
+                </a:path>
+              </a:pathLst>
+            </a:custGeom>
+            <a:solidFill>
+              <a:srgbClr val="2C92D5"/>
+            </a:solidFill>
+          </p:spPr>
+        </p:sp>
+        <p:sp>
+          <p:nvSpPr>
+            <p:cNvPr id="44" name="TextBox 28">
+              <a:extLst>
+                <a:ext uri="{FF2B5EF4-FFF2-40B4-BE49-F238E27FC236}">
+                  <a16:creationId xmlns:a16="http://schemas.microsoft.com/office/drawing/2014/main" id="{4DB8EFD9-0ADB-4B9E-8F56-17EAE2D723A7}"/>
+                </a:ext>
+              </a:extLst>
+            </p:cNvPr>
+            <p:cNvSpPr txBox="1"/>
+            <p:nvPr/>
+          </p:nvSpPr>
+          <p:spPr>
+            <a:xfrm>
+              <a:off x="76200" y="-36556"/>
+              <a:ext cx="660400" cy="788084"/>
+            </a:xfrm>
+            <a:prstGeom prst="rect">
+              <a:avLst/>
+            </a:prstGeom>
+          </p:spPr>
+          <p:txBody>
+            <a:bodyPr lIns="50800" tIns="50800" rIns="50800" bIns="50800" rtlCol="0" anchor="ctr"/>
+            <a:lstStyle/>
+            <a:p>
+              <a:pPr algn="ctr">
+                <a:lnSpc>
+                  <a:spcPts val="5999"/>
+                </a:lnSpc>
+              </a:pPr>
+              <a:r>
+                <a:rPr lang="en-US" sz="3999" spc="119" dirty="0">
+                  <a:solidFill>
+                    <a:srgbClr val="FFFFFF"/>
+                  </a:solidFill>
+                  <a:latin typeface="Aileron"/>
+                  <a:ea typeface="Aileron"/>
+                  <a:cs typeface="Aileron"/>
+                  <a:sym typeface="Aileron"/>
+                </a:rPr>
+                <a:t>*</a:t>
+              </a:r>
+            </a:p>
+          </p:txBody>
+        </p:sp>
+      </p:grpSp>
+      <p:sp>
+        <p:nvSpPr>
+          <p:cNvPr id="48" name="TextBox 37">
+            <a:extLst>
+              <a:ext uri="{FF2B5EF4-FFF2-40B4-BE49-F238E27FC236}">
+                <a16:creationId xmlns:a16="http://schemas.microsoft.com/office/drawing/2014/main" id="{EAF0E808-4B77-48BB-AACA-22BBBF7EF11C}"/>
+              </a:ext>
+            </a:extLst>
+          </p:cNvPr>
+          <p:cNvSpPr txBox="1"/>
+          <p:nvPr/>
+        </p:nvSpPr>
+        <p:spPr>
+          <a:xfrm>
+            <a:off x="5639783" y="8196583"/>
+            <a:ext cx="3781580" cy="498342"/>
+          </a:xfrm>
+          <a:prstGeom prst="rect">
+            <a:avLst/>
+          </a:prstGeom>
+        </p:spPr>
+        <p:txBody>
+          <a:bodyPr wrap="square" lIns="0" tIns="0" rIns="0" bIns="0" rtlCol="0" anchor="t">
+            <a:spAutoFit/>
+          </a:bodyPr>
+          <a:lstStyle/>
+          <a:p>
+            <a:pPr algn="l">
+              <a:lnSpc>
+                <a:spcPts val="4236"/>
+              </a:lnSpc>
+            </a:pPr>
+            <a:r>
+              <a:rPr lang="en-US" sz="2824" spc="84" dirty="0">
+                <a:solidFill>
+                  <a:srgbClr val="FFFFFF"/>
+                </a:solidFill>
+                <a:latin typeface="Aileron"/>
+                <a:ea typeface="Aileron"/>
+                <a:cs typeface="Aileron"/>
+                <a:sym typeface="Aileron"/>
+              </a:rPr>
+              <a:t>Selling </a:t>
+            </a:r>
+            <a:r>
+              <a:rPr lang="en-US" sz="3200" spc="84" dirty="0">
+                <a:solidFill>
+                  <a:srgbClr val="FFFFFF"/>
+                </a:solidFill>
+                <a:latin typeface="Aileron"/>
+                <a:ea typeface="Aileron"/>
+                <a:cs typeface="Aileron"/>
+                <a:sym typeface="Aileron"/>
+              </a:rPr>
+              <a:t>Trends</a:t>
+            </a:r>
+          </a:p>
+        </p:txBody>
+      </p:sp>
+      <p:sp>
+        <p:nvSpPr>
+          <p:cNvPr id="49" name="TextBox 37">
+            <a:extLst>
+              <a:ext uri="{FF2B5EF4-FFF2-40B4-BE49-F238E27FC236}">
+                <a16:creationId xmlns:a16="http://schemas.microsoft.com/office/drawing/2014/main" id="{BA047CFA-0558-4108-BE05-5883D51A629B}"/>
+              </a:ext>
+            </a:extLst>
+          </p:cNvPr>
+          <p:cNvSpPr txBox="1"/>
+          <p:nvPr/>
+        </p:nvSpPr>
+        <p:spPr>
+          <a:xfrm>
+            <a:off x="5657010" y="9421874"/>
+            <a:ext cx="3781580" cy="498342"/>
+          </a:xfrm>
+          <a:prstGeom prst="rect">
+            <a:avLst/>
+          </a:prstGeom>
+        </p:spPr>
+        <p:txBody>
+          <a:bodyPr wrap="square" lIns="0" tIns="0" rIns="0" bIns="0" rtlCol="0" anchor="t">
+            <a:spAutoFit/>
+          </a:bodyPr>
+          <a:lstStyle/>
+          <a:p>
+            <a:pPr algn="l">
+              <a:lnSpc>
+                <a:spcPts val="4236"/>
+              </a:lnSpc>
+            </a:pPr>
+            <a:r>
+              <a:rPr lang="en-US" sz="2824" spc="84" dirty="0">
+                <a:solidFill>
+                  <a:srgbClr val="FFFFFF"/>
+                </a:solidFill>
+                <a:latin typeface="Aileron"/>
+                <a:ea typeface="Aileron"/>
+                <a:cs typeface="Aileron"/>
+                <a:sym typeface="Aileron"/>
+              </a:rPr>
+              <a:t>Supplier Rating</a:t>
+            </a:r>
+            <a:endParaRPr lang="en-US" sz="3200" spc="84" dirty="0">
+              <a:solidFill>
+                <a:srgbClr val="FFFFFF"/>
+              </a:solidFill>
+              <a:latin typeface="Aileron"/>
+              <a:ea typeface="Aileron"/>
+              <a:cs typeface="Aileron"/>
+              <a:sym typeface="Aileron"/>
+            </a:endParaRPr>
           </a:p>
         </p:txBody>
       </p:sp>
